--- a/End Review AN23.pptx
+++ b/End Review AN23.pptx
@@ -209,7 +209,7 @@
           <a:p>
             <a:fld id="{F1A71876-1B18-4FE2-A6E7-C3E962FD2574}" type="datetimeFigureOut">
               <a:rPr lang="en-IN" smtClean="0"/>
-              <a:t>26-06-2023</a:t>
+              <a:t>27-06-2023</a:t>
             </a:fld>
             <a:endParaRPr lang="en-IN"/>
           </a:p>
@@ -608,7 +608,7 @@
           <a:p>
             <a:fld id="{B498DD01-AE08-4A25-9CC2-15C43E463F56}" type="datetimeFigureOut">
               <a:rPr lang="en-IN" smtClean="0"/>
-              <a:t>26-06-2023</a:t>
+              <a:t>27-06-2023</a:t>
             </a:fld>
             <a:endParaRPr lang="en-IN"/>
           </a:p>
@@ -778,7 +778,7 @@
           <a:p>
             <a:fld id="{B498DD01-AE08-4A25-9CC2-15C43E463F56}" type="datetimeFigureOut">
               <a:rPr lang="en-IN" smtClean="0"/>
-              <a:t>26-06-2023</a:t>
+              <a:t>27-06-2023</a:t>
             </a:fld>
             <a:endParaRPr lang="en-IN"/>
           </a:p>
@@ -958,7 +958,7 @@
           <a:p>
             <a:fld id="{B498DD01-AE08-4A25-9CC2-15C43E463F56}" type="datetimeFigureOut">
               <a:rPr lang="en-IN" smtClean="0"/>
-              <a:t>26-06-2023</a:t>
+              <a:t>27-06-2023</a:t>
             </a:fld>
             <a:endParaRPr lang="en-IN"/>
           </a:p>
@@ -1150,7 +1150,7 @@
           <a:p>
             <a:fld id="{B498DD01-AE08-4A25-9CC2-15C43E463F56}" type="datetimeFigureOut">
               <a:rPr lang="en-IN" smtClean="0"/>
-              <a:t>26-06-2023</a:t>
+              <a:t>27-06-2023</a:t>
             </a:fld>
             <a:endParaRPr lang="en-IN"/>
           </a:p>
@@ -1320,7 +1320,7 @@
           <a:p>
             <a:fld id="{B498DD01-AE08-4A25-9CC2-15C43E463F56}" type="datetimeFigureOut">
               <a:rPr lang="en-IN" smtClean="0"/>
-              <a:t>26-06-2023</a:t>
+              <a:t>27-06-2023</a:t>
             </a:fld>
             <a:endParaRPr lang="en-IN"/>
           </a:p>
@@ -1566,7 +1566,7 @@
           <a:p>
             <a:fld id="{B498DD01-AE08-4A25-9CC2-15C43E463F56}" type="datetimeFigureOut">
               <a:rPr lang="en-IN" smtClean="0"/>
-              <a:t>26-06-2023</a:t>
+              <a:t>27-06-2023</a:t>
             </a:fld>
             <a:endParaRPr lang="en-IN"/>
           </a:p>
@@ -1798,7 +1798,7 @@
           <a:p>
             <a:fld id="{B498DD01-AE08-4A25-9CC2-15C43E463F56}" type="datetimeFigureOut">
               <a:rPr lang="en-IN" smtClean="0"/>
-              <a:t>26-06-2023</a:t>
+              <a:t>27-06-2023</a:t>
             </a:fld>
             <a:endParaRPr lang="en-IN"/>
           </a:p>
@@ -2165,7 +2165,7 @@
           <a:p>
             <a:fld id="{B498DD01-AE08-4A25-9CC2-15C43E463F56}" type="datetimeFigureOut">
               <a:rPr lang="en-IN" smtClean="0"/>
-              <a:t>26-06-2023</a:t>
+              <a:t>27-06-2023</a:t>
             </a:fld>
             <a:endParaRPr lang="en-IN"/>
           </a:p>
@@ -2283,7 +2283,7 @@
           <a:p>
             <a:fld id="{B498DD01-AE08-4A25-9CC2-15C43E463F56}" type="datetimeFigureOut">
               <a:rPr lang="en-IN" smtClean="0"/>
-              <a:t>26-06-2023</a:t>
+              <a:t>27-06-2023</a:t>
             </a:fld>
             <a:endParaRPr lang="en-IN"/>
           </a:p>
@@ -2378,7 +2378,7 @@
           <a:p>
             <a:fld id="{B498DD01-AE08-4A25-9CC2-15C43E463F56}" type="datetimeFigureOut">
               <a:rPr lang="en-IN" smtClean="0"/>
-              <a:t>26-06-2023</a:t>
+              <a:t>27-06-2023</a:t>
             </a:fld>
             <a:endParaRPr lang="en-IN"/>
           </a:p>
@@ -2655,7 +2655,7 @@
           <a:p>
             <a:fld id="{B498DD01-AE08-4A25-9CC2-15C43E463F56}" type="datetimeFigureOut">
               <a:rPr lang="en-IN" smtClean="0"/>
-              <a:t>26-06-2023</a:t>
+              <a:t>27-06-2023</a:t>
             </a:fld>
             <a:endParaRPr lang="en-IN"/>
           </a:p>
@@ -2825,7 +2825,7 @@
           <a:p>
             <a:fld id="{B498DD01-AE08-4A25-9CC2-15C43E463F56}" type="datetimeFigureOut">
               <a:rPr lang="en-IN" smtClean="0"/>
-              <a:t>26-06-2023</a:t>
+              <a:t>27-06-2023</a:t>
             </a:fld>
             <a:endParaRPr lang="en-IN"/>
           </a:p>
@@ -3078,7 +3078,7 @@
           <a:p>
             <a:fld id="{B498DD01-AE08-4A25-9CC2-15C43E463F56}" type="datetimeFigureOut">
               <a:rPr lang="en-IN" smtClean="0"/>
-              <a:t>26-06-2023</a:t>
+              <a:t>27-06-2023</a:t>
             </a:fld>
             <a:endParaRPr lang="en-IN"/>
           </a:p>
@@ -3248,7 +3248,7 @@
           <a:p>
             <a:fld id="{B498DD01-AE08-4A25-9CC2-15C43E463F56}" type="datetimeFigureOut">
               <a:rPr lang="en-IN" smtClean="0"/>
-              <a:t>26-06-2023</a:t>
+              <a:t>27-06-2023</a:t>
             </a:fld>
             <a:endParaRPr lang="en-IN"/>
           </a:p>
@@ -3428,7 +3428,7 @@
           <a:p>
             <a:fld id="{B498DD01-AE08-4A25-9CC2-15C43E463F56}" type="datetimeFigureOut">
               <a:rPr lang="en-IN" smtClean="0"/>
-              <a:t>26-06-2023</a:t>
+              <a:t>27-06-2023</a:t>
             </a:fld>
             <a:endParaRPr lang="en-IN"/>
           </a:p>
@@ -3704,7 +3704,7 @@
           <a:p>
             <a:fld id="{B498DD01-AE08-4A25-9CC2-15C43E463F56}" type="datetimeFigureOut">
               <a:rPr lang="en-IN" smtClean="0"/>
-              <a:t>26-06-2023</a:t>
+              <a:t>27-06-2023</a:t>
             </a:fld>
             <a:endParaRPr lang="en-IN"/>
           </a:p>
@@ -3936,7 +3936,7 @@
           <a:p>
             <a:fld id="{B498DD01-AE08-4A25-9CC2-15C43E463F56}" type="datetimeFigureOut">
               <a:rPr lang="en-IN" smtClean="0"/>
-              <a:t>26-06-2023</a:t>
+              <a:t>27-06-2023</a:t>
             </a:fld>
             <a:endParaRPr lang="en-IN"/>
           </a:p>
@@ -4303,7 +4303,7 @@
           <a:p>
             <a:fld id="{B498DD01-AE08-4A25-9CC2-15C43E463F56}" type="datetimeFigureOut">
               <a:rPr lang="en-IN" smtClean="0"/>
-              <a:t>26-06-2023</a:t>
+              <a:t>27-06-2023</a:t>
             </a:fld>
             <a:endParaRPr lang="en-IN"/>
           </a:p>
@@ -4421,7 +4421,7 @@
           <a:p>
             <a:fld id="{B498DD01-AE08-4A25-9CC2-15C43E463F56}" type="datetimeFigureOut">
               <a:rPr lang="en-IN" smtClean="0"/>
-              <a:t>26-06-2023</a:t>
+              <a:t>27-06-2023</a:t>
             </a:fld>
             <a:endParaRPr lang="en-IN"/>
           </a:p>
@@ -4516,7 +4516,7 @@
           <a:p>
             <a:fld id="{B498DD01-AE08-4A25-9CC2-15C43E463F56}" type="datetimeFigureOut">
               <a:rPr lang="en-IN" smtClean="0"/>
-              <a:t>26-06-2023</a:t>
+              <a:t>27-06-2023</a:t>
             </a:fld>
             <a:endParaRPr lang="en-IN"/>
           </a:p>
@@ -4793,7 +4793,7 @@
           <a:p>
             <a:fld id="{B498DD01-AE08-4A25-9CC2-15C43E463F56}" type="datetimeFigureOut">
               <a:rPr lang="en-IN" smtClean="0"/>
-              <a:t>26-06-2023</a:t>
+              <a:t>27-06-2023</a:t>
             </a:fld>
             <a:endParaRPr lang="en-IN"/>
           </a:p>
@@ -5046,7 +5046,7 @@
           <a:p>
             <a:fld id="{B498DD01-AE08-4A25-9CC2-15C43E463F56}" type="datetimeFigureOut">
               <a:rPr lang="en-IN" smtClean="0"/>
-              <a:t>26-06-2023</a:t>
+              <a:t>27-06-2023</a:t>
             </a:fld>
             <a:endParaRPr lang="en-IN"/>
           </a:p>
@@ -5259,7 +5259,7 @@
           <a:p>
             <a:fld id="{B498DD01-AE08-4A25-9CC2-15C43E463F56}" type="datetimeFigureOut">
               <a:rPr lang="en-IN" smtClean="0"/>
-              <a:t>26-06-2023</a:t>
+              <a:t>27-06-2023</a:t>
             </a:fld>
             <a:endParaRPr lang="en-IN"/>
           </a:p>
@@ -5799,7 +5799,7 @@
           <a:p>
             <a:fld id="{B498DD01-AE08-4A25-9CC2-15C43E463F56}" type="datetimeFigureOut">
               <a:rPr lang="en-IN" smtClean="0"/>
-              <a:t>26-06-2023</a:t>
+              <a:t>27-06-2023</a:t>
             </a:fld>
             <a:endParaRPr lang="en-IN"/>
           </a:p>
@@ -16768,18 +16768,18 @@
 </file>
 
 <file path=customXml/item1.xml><?xml version="1.0" encoding="utf-8"?>
+<p:properties xmlns:p="http://schemas.microsoft.com/office/2006/metadata/properties" xmlns:xsi="http://www.w3.org/2001/XMLSchema-instance" xmlns:pc="http://schemas.microsoft.com/office/infopath/2007/PartnerControls">
+  <documentManagement/>
+</p:properties>
+</file>
+
+<file path=customXml/item2.xml><?xml version="1.0" encoding="utf-8"?>
 <?mso-contentType ?>
 <FormTemplates xmlns="http://schemas.microsoft.com/sharepoint/v3/contenttype/forms">
   <Display>DocumentLibraryForm</Display>
   <Edit>DocumentLibraryForm</Edit>
   <New>DocumentLibraryForm</New>
 </FormTemplates>
-</file>
-
-<file path=customXml/item2.xml><?xml version="1.0" encoding="utf-8"?>
-<p:properties xmlns:p="http://schemas.microsoft.com/office/2006/metadata/properties" xmlns:xsi="http://www.w3.org/2001/XMLSchema-instance" xmlns:pc="http://schemas.microsoft.com/office/infopath/2007/PartnerControls">
-  <documentManagement/>
-</p:properties>
 </file>
 
 <file path=customXml/item3.xml><?xml version="1.0" encoding="utf-8"?>
@@ -16897,24 +16897,18 @@
 </file>
 
 <file path=customXml/itemProps1.xml><?xml version="1.0" encoding="utf-8"?>
-<ds:datastoreItem xmlns:ds="http://schemas.openxmlformats.org/officeDocument/2006/customXml" ds:itemID="{D810F4B6-D08F-47D9-B0A7-CD40489FD3FA}">
+<ds:datastoreItem xmlns:ds="http://schemas.openxmlformats.org/officeDocument/2006/customXml" ds:itemID="{BA4CF29C-A072-4781-BF19-793F68950CFD}">
   <ds:schemaRefs>
-    <ds:schemaRef ds:uri="http://schemas.microsoft.com/sharepoint/v3/contenttype/forms"/>
+    <ds:schemaRef ds:uri="http://schemas.microsoft.com/office/2006/metadata/properties"/>
+    <ds:schemaRef ds:uri="http://www.w3.org/2000/xmlns/"/>
   </ds:schemaRefs>
 </ds:datastoreItem>
 </file>
 
 <file path=customXml/itemProps2.xml><?xml version="1.0" encoding="utf-8"?>
-<ds:datastoreItem xmlns:ds="http://schemas.openxmlformats.org/officeDocument/2006/customXml" ds:itemID="{BA4CF29C-A072-4781-BF19-793F68950CFD}">
+<ds:datastoreItem xmlns:ds="http://schemas.openxmlformats.org/officeDocument/2006/customXml" ds:itemID="{D810F4B6-D08F-47D9-B0A7-CD40489FD3FA}">
   <ds:schemaRefs>
-    <ds:schemaRef ds:uri="http://schemas.microsoft.com/office/2006/documentManagement/types"/>
-    <ds:schemaRef ds:uri="http://schemas.openxmlformats.org/package/2006/metadata/core-properties"/>
-    <ds:schemaRef ds:uri="http://schemas.microsoft.com/office/infopath/2007/PartnerControls"/>
-    <ds:schemaRef ds:uri="http://purl.org/dc/dcmitype/"/>
-    <ds:schemaRef ds:uri="http://purl.org/dc/elements/1.1/"/>
-    <ds:schemaRef ds:uri="http://purl.org/dc/terms/"/>
-    <ds:schemaRef ds:uri="http://www.w3.org/XML/1998/namespace"/>
-    <ds:schemaRef ds:uri="http://schemas.microsoft.com/office/2006/metadata/properties"/>
+    <ds:schemaRef ds:uri="http://schemas.microsoft.com/sharepoint/v3/contenttype/forms"/>
   </ds:schemaRefs>
 </ds:datastoreItem>
 </file>
@@ -16924,13 +16918,8 @@
   <ds:schemaRefs>
     <ds:schemaRef ds:uri="http://schemas.microsoft.com/office/2006/metadata/contentType"/>
     <ds:schemaRef ds:uri="http://schemas.microsoft.com/office/2006/metadata/properties/metaAttributes"/>
+    <ds:schemaRef ds:uri="http://www.w3.org/2000/xmlns/"/>
     <ds:schemaRef ds:uri="http://www.w3.org/2001/XMLSchema"/>
-    <ds:schemaRef ds:uri="http://schemas.microsoft.com/office/2006/metadata/properties"/>
-    <ds:schemaRef ds:uri="http://schemas.openxmlformats.org/package/2006/metadata/core-properties"/>
-    <ds:schemaRef ds:uri="http://purl.org/dc/elements/1.1/"/>
-    <ds:schemaRef ds:uri="http://purl.org/dc/terms/"/>
-    <ds:schemaRef ds:uri="http://schemas.microsoft.com/internal/obd"/>
-    <ds:schemaRef ds:uri="http://schemas.microsoft.com/office/infopath/2007/PartnerControls"/>
   </ds:schemaRefs>
 </ds:datastoreItem>
 </file>